--- a/LCC/Python/00a_IT職場新趨勢.pptx
+++ b/LCC/Python/00a_IT職場新趨勢.pptx
@@ -875,7 +875,7 @@
             <a:fld id="{B61BEF0D-F0BB-DE4B-95CE-6DB70DBA9567}" type="datetimeFigureOut">
               <a:rPr lang="en-US" smtClean="0"/>
               <a:pPr/>
-              <a:t>1/4/2021</a:t>
+              <a:t>1/15/2021</a:t>
             </a:fld>
             <a:endParaRPr lang="en-US" dirty="0"/>
           </a:p>
@@ -1128,7 +1128,7 @@
             <a:fld id="{B61BEF0D-F0BB-DE4B-95CE-6DB70DBA9567}" type="datetimeFigureOut">
               <a:rPr lang="en-US" smtClean="0"/>
               <a:pPr/>
-              <a:t>1/4/2021</a:t>
+              <a:t>1/15/2021</a:t>
             </a:fld>
             <a:endParaRPr lang="en-US" dirty="0"/>
           </a:p>
@@ -1444,7 +1444,7 @@
             <a:fld id="{B61BEF0D-F0BB-DE4B-95CE-6DB70DBA9567}" type="datetimeFigureOut">
               <a:rPr lang="en-US" smtClean="0"/>
               <a:pPr/>
-              <a:t>1/4/2021</a:t>
+              <a:t>1/15/2021</a:t>
             </a:fld>
             <a:endParaRPr lang="en-US" dirty="0"/>
           </a:p>
@@ -1779,7 +1779,7 @@
             <a:fld id="{B61BEF0D-F0BB-DE4B-95CE-6DB70DBA9567}" type="datetimeFigureOut">
               <a:rPr lang="en-US" smtClean="0"/>
               <a:pPr/>
-              <a:t>1/4/2021</a:t>
+              <a:t>1/15/2021</a:t>
             </a:fld>
             <a:endParaRPr lang="en-US" dirty="0"/>
           </a:p>
@@ -2095,7 +2095,7 @@
             <a:fld id="{B61BEF0D-F0BB-DE4B-95CE-6DB70DBA9567}" type="datetimeFigureOut">
               <a:rPr lang="en-US" smtClean="0"/>
               <a:pPr/>
-              <a:t>1/4/2021</a:t>
+              <a:t>1/15/2021</a:t>
             </a:fld>
             <a:endParaRPr lang="en-US" dirty="0"/>
           </a:p>
@@ -2490,7 +2490,7 @@
             <a:fld id="{B61BEF0D-F0BB-DE4B-95CE-6DB70DBA9567}" type="datetimeFigureOut">
               <a:rPr lang="en-US" smtClean="0"/>
               <a:pPr/>
-              <a:t>1/4/2021</a:t>
+              <a:t>1/15/2021</a:t>
             </a:fld>
             <a:endParaRPr lang="en-US" dirty="0"/>
           </a:p>
@@ -2661,7 +2661,7 @@
           <a:p>
             <a:fld id="{55C6B4A9-1611-4792-9094-5F34BCA07E0B}" type="datetimeFigureOut">
               <a:rPr lang="en-US" smtClean="0"/>
-              <a:t>1/4/2021</a:t>
+              <a:t>1/15/2021</a:t>
             </a:fld>
             <a:endParaRPr lang="en-US" dirty="0"/>
           </a:p>
@@ -2842,7 +2842,7 @@
             <a:fld id="{B61BEF0D-F0BB-DE4B-95CE-6DB70DBA9567}" type="datetimeFigureOut">
               <a:rPr lang="en-US" smtClean="0"/>
               <a:pPr/>
-              <a:t>1/4/2021</a:t>
+              <a:t>1/15/2021</a:t>
             </a:fld>
             <a:endParaRPr lang="en-US" dirty="0"/>
           </a:p>
@@ -3014,7 +3014,7 @@
             <a:fld id="{B61BEF0D-F0BB-DE4B-95CE-6DB70DBA9567}" type="datetimeFigureOut">
               <a:rPr lang="en-US" smtClean="0"/>
               <a:pPr/>
-              <a:t>1/4/2021</a:t>
+              <a:t>1/15/2021</a:t>
             </a:fld>
             <a:endParaRPr lang="en-US" dirty="0"/>
           </a:p>
@@ -3263,7 +3263,7 @@
             <a:fld id="{B61BEF0D-F0BB-DE4B-95CE-6DB70DBA9567}" type="datetimeFigureOut">
               <a:rPr lang="en-US" smtClean="0"/>
               <a:pPr/>
-              <a:t>1/4/2021</a:t>
+              <a:t>1/15/2021</a:t>
             </a:fld>
             <a:endParaRPr lang="en-US" dirty="0"/>
           </a:p>
@@ -3496,7 +3496,7 @@
           <a:p>
             <a:fld id="{EB712588-04B1-427B-82EE-E8DB90309F08}" type="datetimeFigureOut">
               <a:rPr lang="en-US" smtClean="0"/>
-              <a:t>1/4/2021</a:t>
+              <a:t>1/15/2021</a:t>
             </a:fld>
             <a:endParaRPr lang="en-US" dirty="0"/>
           </a:p>
@@ -3871,7 +3871,7 @@
             <a:fld id="{B61BEF0D-F0BB-DE4B-95CE-6DB70DBA9567}" type="datetimeFigureOut">
               <a:rPr lang="en-US" smtClean="0"/>
               <a:pPr/>
-              <a:t>1/4/2021</a:t>
+              <a:t>1/15/2021</a:t>
             </a:fld>
             <a:endParaRPr lang="en-US" dirty="0"/>
           </a:p>
@@ -3996,7 +3996,7 @@
             <a:fld id="{B61BEF0D-F0BB-DE4B-95CE-6DB70DBA9567}" type="datetimeFigureOut">
               <a:rPr lang="en-US" smtClean="0"/>
               <a:pPr/>
-              <a:t>1/4/2021</a:t>
+              <a:t>1/15/2021</a:t>
             </a:fld>
             <a:endParaRPr lang="en-US" dirty="0"/>
           </a:p>
@@ -4093,7 +4093,7 @@
             <a:fld id="{B61BEF0D-F0BB-DE4B-95CE-6DB70DBA9567}" type="datetimeFigureOut">
               <a:rPr lang="en-US" smtClean="0"/>
               <a:pPr/>
-              <a:t>1/4/2021</a:t>
+              <a:t>1/15/2021</a:t>
             </a:fld>
             <a:endParaRPr lang="en-US" dirty="0"/>
           </a:p>
@@ -4349,7 +4349,7 @@
           <a:p>
             <a:fld id="{42A54C80-263E-416B-A8E0-580EDEADCBDC}" type="datetimeFigureOut">
               <a:rPr lang="en-US" smtClean="0"/>
-              <a:t>1/4/2021</a:t>
+              <a:t>1/15/2021</a:t>
             </a:fld>
             <a:endParaRPr lang="en-US" dirty="0"/>
           </a:p>
@@ -4656,7 +4656,7 @@
             <a:fld id="{B61BEF0D-F0BB-DE4B-95CE-6DB70DBA9567}" type="datetimeFigureOut">
               <a:rPr lang="en-US" smtClean="0"/>
               <a:pPr/>
-              <a:t>1/4/2021</a:t>
+              <a:t>1/15/2021</a:t>
             </a:fld>
             <a:endParaRPr lang="en-US" dirty="0"/>
           </a:p>
@@ -5359,7 +5359,7 @@
             <a:fld id="{B61BEF0D-F0BB-DE4B-95CE-6DB70DBA9567}" type="datetimeFigureOut">
               <a:rPr lang="en-US" smtClean="0"/>
               <a:pPr/>
-              <a:t>1/4/2021</a:t>
+              <a:t>1/15/2021</a:t>
             </a:fld>
             <a:endParaRPr lang="en-US" dirty="0"/>
           </a:p>
@@ -5969,7 +5969,7 @@
           <a:p>
             <a:fld id="{F45BEF4E-E6DA-4F2D-99A2-66E946C36785}" type="datetime4">
               <a:rPr lang="zh-TW" altLang="zh-TW"/>
-              <a:t>110年1月4日星期一</a:t>
+              <a:t>110年1月15日星期五</a:t>
             </a:fld>
             <a:endParaRPr lang="zh-TW" altLang="en-US" dirty="0"/>
           </a:p>
@@ -6082,12 +6082,24 @@
           <a:lstStyle/>
           <a:p>
             <a:r>
-              <a:rPr lang="en-US" altLang="zh-TW" dirty="0"/>
+              <a:rPr lang="en-US" altLang="zh-TW" dirty="0">
+                <a:solidFill>
+                  <a:srgbClr val="FF0000"/>
+                </a:solidFill>
+              </a:rPr>
               <a:t>AI</a:t>
             </a:r>
             <a:r>
+              <a:rPr lang="zh-TW" altLang="en-US" dirty="0">
+                <a:solidFill>
+                  <a:srgbClr val="FF0000"/>
+                </a:solidFill>
+              </a:rPr>
+              <a:t>相關技能</a:t>
+            </a:r>
+            <a:r>
               <a:rPr lang="zh-TW" altLang="en-US" dirty="0"/>
-              <a:t>相關技能最受職場人青睞，</a:t>
+              <a:t>最受職場人青睞，</a:t>
             </a:r>
             <a:r>
               <a:rPr lang="en-US" altLang="zh-TW" dirty="0"/>
@@ -6122,7 +6134,11 @@
               <a:t>、機器學習和</a:t>
             </a:r>
             <a:r>
-              <a:rPr lang="en-US" altLang="zh-TW" dirty="0" smtClean="0"/>
+              <a:rPr lang="en-US" altLang="zh-TW" dirty="0" smtClean="0">
+                <a:solidFill>
+                  <a:schemeClr val="tx1"/>
+                </a:solidFill>
+              </a:rPr>
               <a:t>Docker</a:t>
             </a:r>
             <a:r>
@@ -6144,18 +6160,34 @@
               <a:t>軟體工程師和市場部最愛</a:t>
             </a:r>
             <a:r>
-              <a:rPr lang="en-US" altLang="zh-TW" dirty="0" smtClean="0"/>
+              <a:rPr lang="en-US" altLang="zh-TW" dirty="0" smtClean="0">
+                <a:solidFill>
+                  <a:srgbClr val="FF0000"/>
+                </a:solidFill>
+              </a:rPr>
               <a:t>Python</a:t>
             </a:r>
           </a:p>
           <a:p>
             <a:r>
-              <a:rPr lang="zh-TW" altLang="en-US" dirty="0" smtClean="0"/>
+              <a:rPr lang="zh-TW" altLang="en-US" dirty="0" smtClean="0">
+                <a:solidFill>
+                  <a:srgbClr val="FF0000"/>
+                </a:solidFill>
+              </a:rPr>
               <a:t>雲</a:t>
             </a:r>
             <a:r>
+              <a:rPr lang="zh-TW" altLang="en-US" dirty="0">
+                <a:solidFill>
+                  <a:srgbClr val="FF0000"/>
+                </a:solidFill>
+              </a:rPr>
+              <a:t>計算</a:t>
+            </a:r>
+            <a:r>
               <a:rPr lang="zh-TW" altLang="en-US" dirty="0"/>
-              <a:t>計算方面人才缺口</a:t>
+              <a:t>方面人才缺口</a:t>
             </a:r>
             <a:r>
               <a:rPr lang="zh-TW" altLang="en-US" dirty="0" smtClean="0"/>
@@ -6165,12 +6197,24 @@
           </a:p>
           <a:p>
             <a:r>
-              <a:rPr lang="en-US" altLang="zh-TW" dirty="0" smtClean="0"/>
+              <a:rPr lang="en-US" altLang="zh-TW" dirty="0" smtClean="0">
+                <a:solidFill>
+                  <a:srgbClr val="FF0000"/>
+                </a:solidFill>
+              </a:rPr>
               <a:t>web</a:t>
             </a:r>
             <a:r>
+              <a:rPr lang="zh-TW" altLang="en-US" dirty="0">
+                <a:solidFill>
+                  <a:srgbClr val="FF0000"/>
+                </a:solidFill>
+              </a:rPr>
+              <a:t>開發</a:t>
+            </a:r>
+            <a:r>
               <a:rPr lang="zh-TW" altLang="en-US" dirty="0"/>
-              <a:t>開發勢頭</a:t>
+              <a:t>勢頭</a:t>
             </a:r>
             <a:r>
               <a:rPr lang="zh-TW" altLang="en-US" dirty="0" smtClean="0"/>
@@ -6180,12 +6224,32 @@
           </a:p>
           <a:p>
             <a:r>
-              <a:rPr lang="zh-TW" altLang="en-US" dirty="0" smtClean="0"/>
+              <a:rPr lang="zh-TW" altLang="en-US" dirty="0" smtClean="0">
+                <a:solidFill>
+                  <a:srgbClr val="FF0000"/>
+                </a:solidFill>
+              </a:rPr>
               <a:t>量子</a:t>
             </a:r>
             <a:r>
+              <a:rPr lang="zh-TW" altLang="en-US" dirty="0">
+                <a:solidFill>
+                  <a:srgbClr val="FF0000"/>
+                </a:solidFill>
+              </a:rPr>
+              <a:t>計算</a:t>
+            </a:r>
+            <a:r>
               <a:rPr lang="zh-TW" altLang="en-US" dirty="0"/>
-              <a:t>計算和物聯網</a:t>
+              <a:t>和</a:t>
+            </a:r>
+            <a:r>
+              <a:rPr lang="zh-TW" altLang="en-US" dirty="0">
+                <a:solidFill>
+                  <a:srgbClr val="FF0000"/>
+                </a:solidFill>
+              </a:rPr>
+              <a:t>物聯網</a:t>
             </a:r>
             <a:r>
               <a:rPr lang="zh-TW" altLang="en-US" dirty="0" smtClean="0"/>
@@ -6369,22 +6433,22 @@
           </a:p>
           <a:p>
             <a:r>
-              <a:rPr lang="zh-TW" altLang="en-US" dirty="0"/>
+              <a:rPr lang="zh-TW" altLang="en-US" b="1" dirty="0"/>
               <a:t>美中科技經貿戰</a:t>
             </a:r>
             <a:r>
-              <a:rPr lang="zh-TW" altLang="en-US" dirty="0" smtClean="0"/>
+              <a:rPr lang="zh-TW" altLang="en-US" b="1" dirty="0" smtClean="0"/>
               <a:t>，</a:t>
             </a:r>
             <a:r>
-              <a:rPr lang="en-US" altLang="zh-TW" dirty="0" smtClean="0"/>
+              <a:rPr lang="en-US" altLang="zh-TW" b="1" dirty="0" smtClean="0"/>
               <a:t>AI</a:t>
             </a:r>
             <a:r>
-              <a:rPr lang="zh-TW" altLang="en-US" dirty="0" smtClean="0"/>
+              <a:rPr lang="zh-TW" altLang="en-US" b="1" dirty="0" smtClean="0"/>
               <a:t>是重中之重！</a:t>
             </a:r>
-            <a:endParaRPr lang="en-US" altLang="zh-TW" dirty="0" smtClean="0"/>
+            <a:endParaRPr lang="en-US" altLang="zh-TW" b="1" dirty="0" smtClean="0"/>
           </a:p>
           <a:p>
             <a:r>

--- a/LCC/Python/00a_IT職場新趨勢.pptx
+++ b/LCC/Python/00a_IT職場新趨勢.pptx
@@ -875,7 +875,7 @@
             <a:fld id="{B61BEF0D-F0BB-DE4B-95CE-6DB70DBA9567}" type="datetimeFigureOut">
               <a:rPr lang="en-US" smtClean="0"/>
               <a:pPr/>
-              <a:t>1/15/2021</a:t>
+              <a:t>2/19/2021</a:t>
             </a:fld>
             <a:endParaRPr lang="en-US" dirty="0"/>
           </a:p>
@@ -1128,7 +1128,7 @@
             <a:fld id="{B61BEF0D-F0BB-DE4B-95CE-6DB70DBA9567}" type="datetimeFigureOut">
               <a:rPr lang="en-US" smtClean="0"/>
               <a:pPr/>
-              <a:t>1/15/2021</a:t>
+              <a:t>2/19/2021</a:t>
             </a:fld>
             <a:endParaRPr lang="en-US" dirty="0"/>
           </a:p>
@@ -1444,7 +1444,7 @@
             <a:fld id="{B61BEF0D-F0BB-DE4B-95CE-6DB70DBA9567}" type="datetimeFigureOut">
               <a:rPr lang="en-US" smtClean="0"/>
               <a:pPr/>
-              <a:t>1/15/2021</a:t>
+              <a:t>2/19/2021</a:t>
             </a:fld>
             <a:endParaRPr lang="en-US" dirty="0"/>
           </a:p>
@@ -1779,7 +1779,7 @@
             <a:fld id="{B61BEF0D-F0BB-DE4B-95CE-6DB70DBA9567}" type="datetimeFigureOut">
               <a:rPr lang="en-US" smtClean="0"/>
               <a:pPr/>
-              <a:t>1/15/2021</a:t>
+              <a:t>2/19/2021</a:t>
             </a:fld>
             <a:endParaRPr lang="en-US" dirty="0"/>
           </a:p>
@@ -2095,7 +2095,7 @@
             <a:fld id="{B61BEF0D-F0BB-DE4B-95CE-6DB70DBA9567}" type="datetimeFigureOut">
               <a:rPr lang="en-US" smtClean="0"/>
               <a:pPr/>
-              <a:t>1/15/2021</a:t>
+              <a:t>2/19/2021</a:t>
             </a:fld>
             <a:endParaRPr lang="en-US" dirty="0"/>
           </a:p>
@@ -2490,7 +2490,7 @@
             <a:fld id="{B61BEF0D-F0BB-DE4B-95CE-6DB70DBA9567}" type="datetimeFigureOut">
               <a:rPr lang="en-US" smtClean="0"/>
               <a:pPr/>
-              <a:t>1/15/2021</a:t>
+              <a:t>2/19/2021</a:t>
             </a:fld>
             <a:endParaRPr lang="en-US" dirty="0"/>
           </a:p>
@@ -2661,7 +2661,7 @@
           <a:p>
             <a:fld id="{55C6B4A9-1611-4792-9094-5F34BCA07E0B}" type="datetimeFigureOut">
               <a:rPr lang="en-US" smtClean="0"/>
-              <a:t>1/15/2021</a:t>
+              <a:t>2/19/2021</a:t>
             </a:fld>
             <a:endParaRPr lang="en-US" dirty="0"/>
           </a:p>
@@ -2842,7 +2842,7 @@
             <a:fld id="{B61BEF0D-F0BB-DE4B-95CE-6DB70DBA9567}" type="datetimeFigureOut">
               <a:rPr lang="en-US" smtClean="0"/>
               <a:pPr/>
-              <a:t>1/15/2021</a:t>
+              <a:t>2/19/2021</a:t>
             </a:fld>
             <a:endParaRPr lang="en-US" dirty="0"/>
           </a:p>
@@ -3014,7 +3014,7 @@
             <a:fld id="{B61BEF0D-F0BB-DE4B-95CE-6DB70DBA9567}" type="datetimeFigureOut">
               <a:rPr lang="en-US" smtClean="0"/>
               <a:pPr/>
-              <a:t>1/15/2021</a:t>
+              <a:t>2/19/2021</a:t>
             </a:fld>
             <a:endParaRPr lang="en-US" dirty="0"/>
           </a:p>
@@ -3263,7 +3263,7 @@
             <a:fld id="{B61BEF0D-F0BB-DE4B-95CE-6DB70DBA9567}" type="datetimeFigureOut">
               <a:rPr lang="en-US" smtClean="0"/>
               <a:pPr/>
-              <a:t>1/15/2021</a:t>
+              <a:t>2/19/2021</a:t>
             </a:fld>
             <a:endParaRPr lang="en-US" dirty="0"/>
           </a:p>
@@ -3496,7 +3496,7 @@
           <a:p>
             <a:fld id="{EB712588-04B1-427B-82EE-E8DB90309F08}" type="datetimeFigureOut">
               <a:rPr lang="en-US" smtClean="0"/>
-              <a:t>1/15/2021</a:t>
+              <a:t>2/19/2021</a:t>
             </a:fld>
             <a:endParaRPr lang="en-US" dirty="0"/>
           </a:p>
@@ -3871,7 +3871,7 @@
             <a:fld id="{B61BEF0D-F0BB-DE4B-95CE-6DB70DBA9567}" type="datetimeFigureOut">
               <a:rPr lang="en-US" smtClean="0"/>
               <a:pPr/>
-              <a:t>1/15/2021</a:t>
+              <a:t>2/19/2021</a:t>
             </a:fld>
             <a:endParaRPr lang="en-US" dirty="0"/>
           </a:p>
@@ -3996,7 +3996,7 @@
             <a:fld id="{B61BEF0D-F0BB-DE4B-95CE-6DB70DBA9567}" type="datetimeFigureOut">
               <a:rPr lang="en-US" smtClean="0"/>
               <a:pPr/>
-              <a:t>1/15/2021</a:t>
+              <a:t>2/19/2021</a:t>
             </a:fld>
             <a:endParaRPr lang="en-US" dirty="0"/>
           </a:p>
@@ -4093,7 +4093,7 @@
             <a:fld id="{B61BEF0D-F0BB-DE4B-95CE-6DB70DBA9567}" type="datetimeFigureOut">
               <a:rPr lang="en-US" smtClean="0"/>
               <a:pPr/>
-              <a:t>1/15/2021</a:t>
+              <a:t>2/19/2021</a:t>
             </a:fld>
             <a:endParaRPr lang="en-US" dirty="0"/>
           </a:p>
@@ -4349,7 +4349,7 @@
           <a:p>
             <a:fld id="{42A54C80-263E-416B-A8E0-580EDEADCBDC}" type="datetimeFigureOut">
               <a:rPr lang="en-US" smtClean="0"/>
-              <a:t>1/15/2021</a:t>
+              <a:t>2/19/2021</a:t>
             </a:fld>
             <a:endParaRPr lang="en-US" dirty="0"/>
           </a:p>
@@ -4656,7 +4656,7 @@
             <a:fld id="{B61BEF0D-F0BB-DE4B-95CE-6DB70DBA9567}" type="datetimeFigureOut">
               <a:rPr lang="en-US" smtClean="0"/>
               <a:pPr/>
-              <a:t>1/15/2021</a:t>
+              <a:t>2/19/2021</a:t>
             </a:fld>
             <a:endParaRPr lang="en-US" dirty="0"/>
           </a:p>
@@ -5359,7 +5359,7 @@
             <a:fld id="{B61BEF0D-F0BB-DE4B-95CE-6DB70DBA9567}" type="datetimeFigureOut">
               <a:rPr lang="en-US" smtClean="0"/>
               <a:pPr/>
-              <a:t>1/15/2021</a:t>
+              <a:t>2/19/2021</a:t>
             </a:fld>
             <a:endParaRPr lang="en-US" dirty="0"/>
           </a:p>
@@ -5969,12 +5969,53 @@
           <a:p>
             <a:fld id="{F45BEF4E-E6DA-4F2D-99A2-66E946C36785}" type="datetime4">
               <a:rPr lang="zh-TW" altLang="zh-TW"/>
-              <a:t>110年1月15日星期五</a:t>
+              <a:t>110年2月19日星期五</a:t>
             </a:fld>
             <a:endParaRPr lang="zh-TW" altLang="en-US" dirty="0"/>
           </a:p>
         </p:txBody>
       </p:sp>
+      <p:pic>
+        <p:nvPicPr>
+          <p:cNvPr id="4" name="Picture 2" descr="upload.wikimedia.org/wikipedia/commons/thumb/f/..."/>
+          <p:cNvPicPr>
+            <a:picLocks noChangeAspect="1" noChangeArrowheads="1"/>
+          </p:cNvPicPr>
+          <p:nvPr/>
+        </p:nvPicPr>
+        <p:blipFill>
+          <a:blip r:embed="rId2">
+            <a:extLst>
+              <a:ext uri="{28A0092B-C50C-407E-A947-70E740481C1C}">
+                <a14:useLocalDpi xmlns:a14="http://schemas.microsoft.com/office/drawing/2010/main" val="0"/>
+              </a:ext>
+            </a:extLst>
+          </a:blip>
+          <a:srcRect/>
+          <a:stretch>
+            <a:fillRect/>
+          </a:stretch>
+        </p:blipFill>
+        <p:spPr bwMode="auto">
+          <a:xfrm>
+            <a:off x="528866" y="4993541"/>
+            <a:ext cx="4743328" cy="1407187"/>
+          </a:xfrm>
+          <a:prstGeom prst="rect">
+            <a:avLst/>
+          </a:prstGeom>
+          <a:noFill/>
+          <a:extLst>
+            <a:ext uri="{909E8E84-426E-40DD-AFC4-6F175D3DCCD1}">
+              <a14:hiddenFill xmlns:a14="http://schemas.microsoft.com/office/drawing/2010/main">
+                <a:solidFill>
+                  <a:srgbClr val="FFFFFF"/>
+                </a:solidFill>
+              </a14:hiddenFill>
+            </a:ext>
+          </a:extLst>
+        </p:spPr>
+      </p:pic>
     </p:spTree>
     <p:extLst>
       <p:ext uri="{BB962C8B-B14F-4D97-AF65-F5344CB8AC3E}">

--- a/LCC/Python/00a_IT職場新趨勢.pptx
+++ b/LCC/Python/00a_IT職場新趨勢.pptx
@@ -12,6 +12,7 @@
     <p:sldId id="259" r:id="rId6"/>
     <p:sldId id="260" r:id="rId7"/>
     <p:sldId id="261" r:id="rId8"/>
+    <p:sldId id="263" r:id="rId9"/>
   </p:sldIdLst>
   <p:sldSz cx="12192000" cy="6858000"/>
   <p:notesSz cx="6858000" cy="9144000"/>
@@ -875,7 +876,7 @@
             <a:fld id="{B61BEF0D-F0BB-DE4B-95CE-6DB70DBA9567}" type="datetimeFigureOut">
               <a:rPr lang="en-US" smtClean="0"/>
               <a:pPr/>
-              <a:t>2/19/2021</a:t>
+              <a:t>5/29/2021</a:t>
             </a:fld>
             <a:endParaRPr lang="en-US" dirty="0"/>
           </a:p>
@@ -1128,7 +1129,7 @@
             <a:fld id="{B61BEF0D-F0BB-DE4B-95CE-6DB70DBA9567}" type="datetimeFigureOut">
               <a:rPr lang="en-US" smtClean="0"/>
               <a:pPr/>
-              <a:t>2/19/2021</a:t>
+              <a:t>5/29/2021</a:t>
             </a:fld>
             <a:endParaRPr lang="en-US" dirty="0"/>
           </a:p>
@@ -1444,7 +1445,7 @@
             <a:fld id="{B61BEF0D-F0BB-DE4B-95CE-6DB70DBA9567}" type="datetimeFigureOut">
               <a:rPr lang="en-US" smtClean="0"/>
               <a:pPr/>
-              <a:t>2/19/2021</a:t>
+              <a:t>5/29/2021</a:t>
             </a:fld>
             <a:endParaRPr lang="en-US" dirty="0"/>
           </a:p>
@@ -1779,7 +1780,7 @@
             <a:fld id="{B61BEF0D-F0BB-DE4B-95CE-6DB70DBA9567}" type="datetimeFigureOut">
               <a:rPr lang="en-US" smtClean="0"/>
               <a:pPr/>
-              <a:t>2/19/2021</a:t>
+              <a:t>5/29/2021</a:t>
             </a:fld>
             <a:endParaRPr lang="en-US" dirty="0"/>
           </a:p>
@@ -2095,7 +2096,7 @@
             <a:fld id="{B61BEF0D-F0BB-DE4B-95CE-6DB70DBA9567}" type="datetimeFigureOut">
               <a:rPr lang="en-US" smtClean="0"/>
               <a:pPr/>
-              <a:t>2/19/2021</a:t>
+              <a:t>5/29/2021</a:t>
             </a:fld>
             <a:endParaRPr lang="en-US" dirty="0"/>
           </a:p>
@@ -2490,7 +2491,7 @@
             <a:fld id="{B61BEF0D-F0BB-DE4B-95CE-6DB70DBA9567}" type="datetimeFigureOut">
               <a:rPr lang="en-US" smtClean="0"/>
               <a:pPr/>
-              <a:t>2/19/2021</a:t>
+              <a:t>5/29/2021</a:t>
             </a:fld>
             <a:endParaRPr lang="en-US" dirty="0"/>
           </a:p>
@@ -2661,7 +2662,7 @@
           <a:p>
             <a:fld id="{55C6B4A9-1611-4792-9094-5F34BCA07E0B}" type="datetimeFigureOut">
               <a:rPr lang="en-US" smtClean="0"/>
-              <a:t>2/19/2021</a:t>
+              <a:t>5/29/2021</a:t>
             </a:fld>
             <a:endParaRPr lang="en-US" dirty="0"/>
           </a:p>
@@ -2842,7 +2843,7 @@
             <a:fld id="{B61BEF0D-F0BB-DE4B-95CE-6DB70DBA9567}" type="datetimeFigureOut">
               <a:rPr lang="en-US" smtClean="0"/>
               <a:pPr/>
-              <a:t>2/19/2021</a:t>
+              <a:t>5/29/2021</a:t>
             </a:fld>
             <a:endParaRPr lang="en-US" dirty="0"/>
           </a:p>
@@ -3014,7 +3015,7 @@
             <a:fld id="{B61BEF0D-F0BB-DE4B-95CE-6DB70DBA9567}" type="datetimeFigureOut">
               <a:rPr lang="en-US" smtClean="0"/>
               <a:pPr/>
-              <a:t>2/19/2021</a:t>
+              <a:t>5/29/2021</a:t>
             </a:fld>
             <a:endParaRPr lang="en-US" dirty="0"/>
           </a:p>
@@ -3263,7 +3264,7 @@
             <a:fld id="{B61BEF0D-F0BB-DE4B-95CE-6DB70DBA9567}" type="datetimeFigureOut">
               <a:rPr lang="en-US" smtClean="0"/>
               <a:pPr/>
-              <a:t>2/19/2021</a:t>
+              <a:t>5/29/2021</a:t>
             </a:fld>
             <a:endParaRPr lang="en-US" dirty="0"/>
           </a:p>
@@ -3496,7 +3497,7 @@
           <a:p>
             <a:fld id="{EB712588-04B1-427B-82EE-E8DB90309F08}" type="datetimeFigureOut">
               <a:rPr lang="en-US" smtClean="0"/>
-              <a:t>2/19/2021</a:t>
+              <a:t>5/29/2021</a:t>
             </a:fld>
             <a:endParaRPr lang="en-US" dirty="0"/>
           </a:p>
@@ -3871,7 +3872,7 @@
             <a:fld id="{B61BEF0D-F0BB-DE4B-95CE-6DB70DBA9567}" type="datetimeFigureOut">
               <a:rPr lang="en-US" smtClean="0"/>
               <a:pPr/>
-              <a:t>2/19/2021</a:t>
+              <a:t>5/29/2021</a:t>
             </a:fld>
             <a:endParaRPr lang="en-US" dirty="0"/>
           </a:p>
@@ -3996,7 +3997,7 @@
             <a:fld id="{B61BEF0D-F0BB-DE4B-95CE-6DB70DBA9567}" type="datetimeFigureOut">
               <a:rPr lang="en-US" smtClean="0"/>
               <a:pPr/>
-              <a:t>2/19/2021</a:t>
+              <a:t>5/29/2021</a:t>
             </a:fld>
             <a:endParaRPr lang="en-US" dirty="0"/>
           </a:p>
@@ -4093,7 +4094,7 @@
             <a:fld id="{B61BEF0D-F0BB-DE4B-95CE-6DB70DBA9567}" type="datetimeFigureOut">
               <a:rPr lang="en-US" smtClean="0"/>
               <a:pPr/>
-              <a:t>2/19/2021</a:t>
+              <a:t>5/29/2021</a:t>
             </a:fld>
             <a:endParaRPr lang="en-US" dirty="0"/>
           </a:p>
@@ -4349,7 +4350,7 @@
           <a:p>
             <a:fld id="{42A54C80-263E-416B-A8E0-580EDEADCBDC}" type="datetimeFigureOut">
               <a:rPr lang="en-US" smtClean="0"/>
-              <a:t>2/19/2021</a:t>
+              <a:t>5/29/2021</a:t>
             </a:fld>
             <a:endParaRPr lang="en-US" dirty="0"/>
           </a:p>
@@ -4656,7 +4657,7 @@
             <a:fld id="{B61BEF0D-F0BB-DE4B-95CE-6DB70DBA9567}" type="datetimeFigureOut">
               <a:rPr lang="en-US" smtClean="0"/>
               <a:pPr/>
-              <a:t>2/19/2021</a:t>
+              <a:t>5/29/2021</a:t>
             </a:fld>
             <a:endParaRPr lang="en-US" dirty="0"/>
           </a:p>
@@ -5359,7 +5360,7 @@
             <a:fld id="{B61BEF0D-F0BB-DE4B-95CE-6DB70DBA9567}" type="datetimeFigureOut">
               <a:rPr lang="en-US" smtClean="0"/>
               <a:pPr/>
-              <a:t>2/19/2021</a:t>
+              <a:t>5/29/2021</a:t>
             </a:fld>
             <a:endParaRPr lang="en-US" dirty="0"/>
           </a:p>
@@ -5969,7 +5970,7 @@
           <a:p>
             <a:fld id="{F45BEF4E-E6DA-4F2D-99A2-66E946C36785}" type="datetime4">
               <a:rPr lang="zh-TW" altLang="zh-TW"/>
-              <a:t>110年2月19日星期五</a:t>
+              <a:t>110年5月29日星期六</a:t>
             </a:fld>
             <a:endParaRPr lang="zh-TW" altLang="en-US" dirty="0"/>
           </a:p>
@@ -6014,6 +6015,68 @@
               </a14:hiddenFill>
             </a:ext>
           </a:extLst>
+        </p:spPr>
+      </p:pic>
+      <p:sp>
+        <p:nvSpPr>
+          <p:cNvPr id="5" name="文字方塊 4"/>
+          <p:cNvSpPr txBox="1"/>
+          <p:nvPr/>
+        </p:nvSpPr>
+        <p:spPr>
+          <a:xfrm>
+            <a:off x="310896" y="409622"/>
+            <a:ext cx="4647426" cy="369332"/>
+          </a:xfrm>
+          <a:prstGeom prst="rect">
+            <a:avLst/>
+          </a:prstGeom>
+          <a:noFill/>
+        </p:spPr>
+        <p:txBody>
+          <a:bodyPr wrap="none" rtlCol="0">
+            <a:spAutoFit/>
+          </a:bodyPr>
+          <a:lstStyle/>
+          <a:p>
+            <a:r>
+              <a:rPr lang="zh-TW" altLang="en-US" dirty="0" smtClean="0"/>
+              <a:t>投影片下載網址：</a:t>
+            </a:r>
+            <a:r>
+              <a:rPr lang="en-US" altLang="zh-TW" dirty="0"/>
+              <a:t>https://</a:t>
+            </a:r>
+            <a:r>
+              <a:rPr lang="en-US" altLang="zh-TW" dirty="0" smtClean="0"/>
+              <a:t>reurl.cc/Dg9Edm</a:t>
+            </a:r>
+            <a:endParaRPr lang="zh-TW" altLang="en-US" dirty="0"/>
+          </a:p>
+        </p:txBody>
+      </p:sp>
+      <p:pic>
+        <p:nvPicPr>
+          <p:cNvPr id="6" name="圖片 5"/>
+          <p:cNvPicPr>
+            <a:picLocks noChangeAspect="1"/>
+          </p:cNvPicPr>
+          <p:nvPr/>
+        </p:nvPicPr>
+        <p:blipFill>
+          <a:blip r:embed="rId3"/>
+          <a:stretch>
+            <a:fillRect/>
+          </a:stretch>
+        </p:blipFill>
+        <p:spPr>
+          <a:xfrm>
+            <a:off x="425577" y="867010"/>
+            <a:ext cx="1428750" cy="1428750"/>
+          </a:xfrm>
+          <a:prstGeom prst="rect">
+            <a:avLst/>
+          </a:prstGeom>
         </p:spPr>
       </p:pic>
     </p:spTree>
@@ -6361,6 +6424,13 @@
   <p:clrMapOvr>
     <a:masterClrMapping/>
   </p:clrMapOvr>
+  <p:timing>
+    <p:tnLst>
+      <p:par>
+        <p:cTn id="1" dur="indefinite" restart="never" nodeType="tmRoot"/>
+      </p:par>
+    </p:tnLst>
+  </p:timing>
 </p:sld>
 </file>
 
@@ -6577,6 +6647,13 @@
   <p:clrMapOvr>
     <a:masterClrMapping/>
   </p:clrMapOvr>
+  <p:timing>
+    <p:tnLst>
+      <p:par>
+        <p:cTn id="1" dur="indefinite" restart="never" nodeType="tmRoot"/>
+      </p:par>
+    </p:tnLst>
+  </p:timing>
 </p:sld>
 </file>
 
@@ -6913,6 +6990,13 @@
   <p:clrMapOvr>
     <a:masterClrMapping/>
   </p:clrMapOvr>
+  <p:timing>
+    <p:tnLst>
+      <p:par>
+        <p:cTn id="1" dur="indefinite" restart="never" nodeType="tmRoot"/>
+      </p:par>
+    </p:tnLst>
+  </p:timing>
 </p:sld>
 </file>
 
@@ -7255,6 +7339,13 @@
   <p:clrMapOvr>
     <a:masterClrMapping/>
   </p:clrMapOvr>
+  <p:timing>
+    <p:tnLst>
+      <p:par>
+        <p:cTn id="1" dur="indefinite" restart="never" nodeType="tmRoot"/>
+      </p:par>
+    </p:tnLst>
+  </p:timing>
 </p:sld>
 </file>
 
@@ -7490,8 +7581,14 @@
               <a:t>, </a:t>
             </a:r>
             <a:r>
+              <a:rPr lang="zh-TW" altLang="en-US" dirty="0">
+                <a:hlinkClick r:id="rId2" action="ppaction://hlinksldjump"/>
+              </a:rPr>
+              <a:t>過擬合</a:t>
+            </a:r>
+            <a:r>
               <a:rPr lang="zh-TW" altLang="en-US" dirty="0"/>
-              <a:t>過擬合處理等一些機器學習的基礎</a:t>
+              <a:t>處理等一些機器學習的基礎</a:t>
             </a:r>
             <a:r>
               <a:rPr lang="zh-TW" altLang="en-US" dirty="0" smtClean="0"/>
@@ -7597,6 +7694,13 @@
   <p:clrMapOvr>
     <a:masterClrMapping/>
   </p:clrMapOvr>
+  <p:timing>
+    <p:tnLst>
+      <p:par>
+        <p:cTn id="1" dur="indefinite" restart="never" nodeType="tmRoot"/>
+      </p:par>
+    </p:tnLst>
+  </p:timing>
 </p:sld>
 </file>
 
@@ -7757,13 +7861,100 @@
   <p:clrMapOvr>
     <a:masterClrMapping/>
   </p:clrMapOvr>
+  <p:timing>
+    <p:tnLst>
+      <p:par>
+        <p:cTn id="1" dur="indefinite" restart="never" nodeType="tmRoot"/>
+      </p:par>
+    </p:tnLst>
+  </p:timing>
+</p:sld>
+</file>
+
+<file path=ppt/slides/slide8.xml><?xml version="1.0" encoding="utf-8"?>
+<p:sld xmlns:a="http://schemas.openxmlformats.org/drawingml/2006/main" xmlns:r="http://schemas.openxmlformats.org/officeDocument/2006/relationships" xmlns:p="http://schemas.openxmlformats.org/presentationml/2006/main">
+  <p:cSld>
+    <p:spTree>
+      <p:nvGrpSpPr>
+        <p:cNvPr id="1" name=""/>
+        <p:cNvGrpSpPr/>
+        <p:nvPr/>
+      </p:nvGrpSpPr>
+      <p:grpSpPr>
+        <a:xfrm>
+          <a:off x="0" y="0"/>
+          <a:ext cx="0" cy="0"/>
+          <a:chOff x="0" y="0"/>
+          <a:chExt cx="0" cy="0"/>
+        </a:xfrm>
+      </p:grpSpPr>
+      <p:pic>
+        <p:nvPicPr>
+          <p:cNvPr id="4" name="Picture 2" descr="CNN入門-Overfitting. 在正式踏入更深入的CNN模型之前，我們勢必要了解Overfitting這個名詞，… | by Cinnamon  AI Taiwan | Medium">
+            <a:hlinkClick r:id="rId2" action="ppaction://hlinksldjump"/>
+          </p:cNvPr>
+          <p:cNvPicPr>
+            <a:picLocks noChangeAspect="1" noChangeArrowheads="1"/>
+          </p:cNvPicPr>
+          <p:nvPr/>
+        </p:nvPicPr>
+        <p:blipFill>
+          <a:blip r:embed="rId3">
+            <a:extLst>
+              <a:ext uri="{28A0092B-C50C-407E-A947-70E740481C1C}">
+                <a14:useLocalDpi xmlns:a14="http://schemas.microsoft.com/office/drawing/2010/main" val="0"/>
+              </a:ext>
+            </a:extLst>
+          </a:blip>
+          <a:srcRect/>
+          <a:stretch>
+            <a:fillRect/>
+          </a:stretch>
+        </p:blipFill>
+        <p:spPr bwMode="auto">
+          <a:xfrm>
+            <a:off x="541977" y="1536192"/>
+            <a:ext cx="10013787" cy="4105655"/>
+          </a:xfrm>
+          <a:prstGeom prst="rect">
+            <a:avLst/>
+          </a:prstGeom>
+          <a:noFill/>
+          <a:extLst>
+            <a:ext uri="{909E8E84-426E-40DD-AFC4-6F175D3DCCD1}">
+              <a14:hiddenFill xmlns:a14="http://schemas.microsoft.com/office/drawing/2010/main">
+                <a:solidFill>
+                  <a:srgbClr val="FFFFFF"/>
+                </a:solidFill>
+              </a14:hiddenFill>
+            </a:ext>
+          </a:extLst>
+        </p:spPr>
+      </p:pic>
+    </p:spTree>
+    <p:extLst>
+      <p:ext uri="{BB962C8B-B14F-4D97-AF65-F5344CB8AC3E}">
+        <p14:creationId xmlns:p14="http://schemas.microsoft.com/office/powerpoint/2010/main" val="2940100340"/>
+      </p:ext>
+    </p:extLst>
+  </p:cSld>
+  <p:clrMapOvr>
+    <a:masterClrMapping/>
+  </p:clrMapOvr>
+  <p:timing>
+    <p:tnLst>
+      <p:par>
+        <p:cTn id="1" dur="indefinite" restart="never" nodeType="tmRoot"/>
+      </p:par>
+    </p:tnLst>
+  </p:timing>
 </p:sld>
 </file>
 
 <file path=ppt/theme/theme1.xml><?xml version="1.0" encoding="utf-8"?>
 <a:theme xmlns:a="http://schemas.openxmlformats.org/drawingml/2006/main" name="多面向">
   <a:themeElements>
-    <a:clrScheme name="多面向">
+    <a:clrScheme name="自訂 2">
       <a:dk1>
         <a:sysClr val="windowText" lastClr="000000"/>
       </a:dk1>
@@ -7795,10 +7986,10 @@
         <a:srgbClr val="96D141"/>
       </a:accent6>
       <a:hlink>
-        <a:srgbClr val="3FCDE7"/>
+        <a:srgbClr val="C00000"/>
       </a:hlink>
       <a:folHlink>
-        <a:srgbClr val="A9D3E1"/>
+        <a:srgbClr val="C00000"/>
       </a:folHlink>
     </a:clrScheme>
     <a:fontScheme name="多面向">

--- a/LCC/Python/00a_IT職場新趨勢.pptx
+++ b/LCC/Python/00a_IT職場新趨勢.pptx
@@ -876,7 +876,7 @@
             <a:fld id="{B61BEF0D-F0BB-DE4B-95CE-6DB70DBA9567}" type="datetimeFigureOut">
               <a:rPr lang="en-US" smtClean="0"/>
               <a:pPr/>
-              <a:t>5/29/2021</a:t>
+              <a:t>11/15/2021</a:t>
             </a:fld>
             <a:endParaRPr lang="en-US" dirty="0"/>
           </a:p>
@@ -1129,7 +1129,7 @@
             <a:fld id="{B61BEF0D-F0BB-DE4B-95CE-6DB70DBA9567}" type="datetimeFigureOut">
               <a:rPr lang="en-US" smtClean="0"/>
               <a:pPr/>
-              <a:t>5/29/2021</a:t>
+              <a:t>11/15/2021</a:t>
             </a:fld>
             <a:endParaRPr lang="en-US" dirty="0"/>
           </a:p>
@@ -1445,7 +1445,7 @@
             <a:fld id="{B61BEF0D-F0BB-DE4B-95CE-6DB70DBA9567}" type="datetimeFigureOut">
               <a:rPr lang="en-US" smtClean="0"/>
               <a:pPr/>
-              <a:t>5/29/2021</a:t>
+              <a:t>11/15/2021</a:t>
             </a:fld>
             <a:endParaRPr lang="en-US" dirty="0"/>
           </a:p>
@@ -1780,7 +1780,7 @@
             <a:fld id="{B61BEF0D-F0BB-DE4B-95CE-6DB70DBA9567}" type="datetimeFigureOut">
               <a:rPr lang="en-US" smtClean="0"/>
               <a:pPr/>
-              <a:t>5/29/2021</a:t>
+              <a:t>11/15/2021</a:t>
             </a:fld>
             <a:endParaRPr lang="en-US" dirty="0"/>
           </a:p>
@@ -2096,7 +2096,7 @@
             <a:fld id="{B61BEF0D-F0BB-DE4B-95CE-6DB70DBA9567}" type="datetimeFigureOut">
               <a:rPr lang="en-US" smtClean="0"/>
               <a:pPr/>
-              <a:t>5/29/2021</a:t>
+              <a:t>11/15/2021</a:t>
             </a:fld>
             <a:endParaRPr lang="en-US" dirty="0"/>
           </a:p>
@@ -2491,7 +2491,7 @@
             <a:fld id="{B61BEF0D-F0BB-DE4B-95CE-6DB70DBA9567}" type="datetimeFigureOut">
               <a:rPr lang="en-US" smtClean="0"/>
               <a:pPr/>
-              <a:t>5/29/2021</a:t>
+              <a:t>11/15/2021</a:t>
             </a:fld>
             <a:endParaRPr lang="en-US" dirty="0"/>
           </a:p>
@@ -2662,7 +2662,7 @@
           <a:p>
             <a:fld id="{55C6B4A9-1611-4792-9094-5F34BCA07E0B}" type="datetimeFigureOut">
               <a:rPr lang="en-US" smtClean="0"/>
-              <a:t>5/29/2021</a:t>
+              <a:t>11/15/2021</a:t>
             </a:fld>
             <a:endParaRPr lang="en-US" dirty="0"/>
           </a:p>
@@ -2843,7 +2843,7 @@
             <a:fld id="{B61BEF0D-F0BB-DE4B-95CE-6DB70DBA9567}" type="datetimeFigureOut">
               <a:rPr lang="en-US" smtClean="0"/>
               <a:pPr/>
-              <a:t>5/29/2021</a:t>
+              <a:t>11/15/2021</a:t>
             </a:fld>
             <a:endParaRPr lang="en-US" dirty="0"/>
           </a:p>
@@ -3015,7 +3015,7 @@
             <a:fld id="{B61BEF0D-F0BB-DE4B-95CE-6DB70DBA9567}" type="datetimeFigureOut">
               <a:rPr lang="en-US" smtClean="0"/>
               <a:pPr/>
-              <a:t>5/29/2021</a:t>
+              <a:t>11/15/2021</a:t>
             </a:fld>
             <a:endParaRPr lang="en-US" dirty="0"/>
           </a:p>
@@ -3264,7 +3264,7 @@
             <a:fld id="{B61BEF0D-F0BB-DE4B-95CE-6DB70DBA9567}" type="datetimeFigureOut">
               <a:rPr lang="en-US" smtClean="0"/>
               <a:pPr/>
-              <a:t>5/29/2021</a:t>
+              <a:t>11/15/2021</a:t>
             </a:fld>
             <a:endParaRPr lang="en-US" dirty="0"/>
           </a:p>
@@ -3497,7 +3497,7 @@
           <a:p>
             <a:fld id="{EB712588-04B1-427B-82EE-E8DB90309F08}" type="datetimeFigureOut">
               <a:rPr lang="en-US" smtClean="0"/>
-              <a:t>5/29/2021</a:t>
+              <a:t>11/15/2021</a:t>
             </a:fld>
             <a:endParaRPr lang="en-US" dirty="0"/>
           </a:p>
@@ -3872,7 +3872,7 @@
             <a:fld id="{B61BEF0D-F0BB-DE4B-95CE-6DB70DBA9567}" type="datetimeFigureOut">
               <a:rPr lang="en-US" smtClean="0"/>
               <a:pPr/>
-              <a:t>5/29/2021</a:t>
+              <a:t>11/15/2021</a:t>
             </a:fld>
             <a:endParaRPr lang="en-US" dirty="0"/>
           </a:p>
@@ -3997,7 +3997,7 @@
             <a:fld id="{B61BEF0D-F0BB-DE4B-95CE-6DB70DBA9567}" type="datetimeFigureOut">
               <a:rPr lang="en-US" smtClean="0"/>
               <a:pPr/>
-              <a:t>5/29/2021</a:t>
+              <a:t>11/15/2021</a:t>
             </a:fld>
             <a:endParaRPr lang="en-US" dirty="0"/>
           </a:p>
@@ -4094,7 +4094,7 @@
             <a:fld id="{B61BEF0D-F0BB-DE4B-95CE-6DB70DBA9567}" type="datetimeFigureOut">
               <a:rPr lang="en-US" smtClean="0"/>
               <a:pPr/>
-              <a:t>5/29/2021</a:t>
+              <a:t>11/15/2021</a:t>
             </a:fld>
             <a:endParaRPr lang="en-US" dirty="0"/>
           </a:p>
@@ -4350,7 +4350,7 @@
           <a:p>
             <a:fld id="{42A54C80-263E-416B-A8E0-580EDEADCBDC}" type="datetimeFigureOut">
               <a:rPr lang="en-US" smtClean="0"/>
-              <a:t>5/29/2021</a:t>
+              <a:t>11/15/2021</a:t>
             </a:fld>
             <a:endParaRPr lang="en-US" dirty="0"/>
           </a:p>
@@ -4657,7 +4657,7 @@
             <a:fld id="{B61BEF0D-F0BB-DE4B-95CE-6DB70DBA9567}" type="datetimeFigureOut">
               <a:rPr lang="en-US" smtClean="0"/>
               <a:pPr/>
-              <a:t>5/29/2021</a:t>
+              <a:t>11/15/2021</a:t>
             </a:fld>
             <a:endParaRPr lang="en-US" dirty="0"/>
           </a:p>
@@ -5360,7 +5360,7 @@
             <a:fld id="{B61BEF0D-F0BB-DE4B-95CE-6DB70DBA9567}" type="datetimeFigureOut">
               <a:rPr lang="en-US" smtClean="0"/>
               <a:pPr/>
-              <a:t>5/29/2021</a:t>
+              <a:t>11/15/2021</a:t>
             </a:fld>
             <a:endParaRPr lang="en-US" dirty="0"/>
           </a:p>
@@ -5970,7 +5970,7 @@
           <a:p>
             <a:fld id="{F45BEF4E-E6DA-4F2D-99A2-66E946C36785}" type="datetime4">
               <a:rPr lang="zh-TW" altLang="zh-TW"/>
-              <a:t>110年5月29日星期六</a:t>
+              <a:t>110年11月15日星期一</a:t>
             </a:fld>
             <a:endParaRPr lang="zh-TW" altLang="en-US" dirty="0"/>
           </a:p>
@@ -6019,14 +6019,14 @@
       </p:pic>
       <p:sp>
         <p:nvSpPr>
-          <p:cNvPr id="5" name="文字方塊 4"/>
+          <p:cNvPr id="8" name="文字方塊 7"/>
           <p:cNvSpPr txBox="1"/>
           <p:nvPr/>
         </p:nvSpPr>
         <p:spPr>
           <a:xfrm>
-            <a:off x="310896" y="409622"/>
-            <a:ext cx="4647426" cy="369332"/>
+            <a:off x="528866" y="341708"/>
+            <a:ext cx="4487126" cy="369332"/>
           </a:xfrm>
           <a:prstGeom prst="rect">
             <a:avLst/>
@@ -6049,7 +6049,7 @@
             </a:r>
             <a:r>
               <a:rPr lang="en-US" altLang="zh-TW" dirty="0" smtClean="0"/>
-              <a:t>reurl.cc/Dg9Edm</a:t>
+              <a:t>reurl.cc/l5ADbl</a:t>
             </a:r>
             <a:endParaRPr lang="zh-TW" altLang="en-US" dirty="0"/>
           </a:p>
@@ -6057,7 +6057,7 @@
       </p:sp>
       <p:pic>
         <p:nvPicPr>
-          <p:cNvPr id="6" name="圖片 5"/>
+          <p:cNvPr id="9" name="圖片 8"/>
           <p:cNvPicPr>
             <a:picLocks noChangeAspect="1"/>
           </p:cNvPicPr>
@@ -6071,8 +6071,8 @@
         </p:blipFill>
         <p:spPr>
           <a:xfrm>
-            <a:off x="425577" y="867010"/>
-            <a:ext cx="1428750" cy="1428750"/>
+            <a:off x="675908" y="775048"/>
+            <a:ext cx="1882925" cy="1882925"/>
           </a:xfrm>
           <a:prstGeom prst="rect">
             <a:avLst/>

--- a/LCC/Python/00a_IT職場新趨勢.pptx
+++ b/LCC/Python/00a_IT職場新趨勢.pptx
@@ -12,7 +12,6 @@
     <p:sldId id="259" r:id="rId6"/>
     <p:sldId id="260" r:id="rId7"/>
     <p:sldId id="261" r:id="rId8"/>
-    <p:sldId id="263" r:id="rId9"/>
   </p:sldIdLst>
   <p:sldSz cx="12192000" cy="6858000"/>
   <p:notesSz cx="6858000" cy="9144000"/>
@@ -876,7 +875,7 @@
             <a:fld id="{B61BEF0D-F0BB-DE4B-95CE-6DB70DBA9567}" type="datetimeFigureOut">
               <a:rPr lang="en-US" smtClean="0"/>
               <a:pPr/>
-              <a:t>11/15/2021</a:t>
+              <a:t>1/17/2022</a:t>
             </a:fld>
             <a:endParaRPr lang="en-US" dirty="0"/>
           </a:p>
@@ -1129,7 +1128,7 @@
             <a:fld id="{B61BEF0D-F0BB-DE4B-95CE-6DB70DBA9567}" type="datetimeFigureOut">
               <a:rPr lang="en-US" smtClean="0"/>
               <a:pPr/>
-              <a:t>11/15/2021</a:t>
+              <a:t>1/17/2022</a:t>
             </a:fld>
             <a:endParaRPr lang="en-US" dirty="0"/>
           </a:p>
@@ -1445,7 +1444,7 @@
             <a:fld id="{B61BEF0D-F0BB-DE4B-95CE-6DB70DBA9567}" type="datetimeFigureOut">
               <a:rPr lang="en-US" smtClean="0"/>
               <a:pPr/>
-              <a:t>11/15/2021</a:t>
+              <a:t>1/17/2022</a:t>
             </a:fld>
             <a:endParaRPr lang="en-US" dirty="0"/>
           </a:p>
@@ -1780,7 +1779,7 @@
             <a:fld id="{B61BEF0D-F0BB-DE4B-95CE-6DB70DBA9567}" type="datetimeFigureOut">
               <a:rPr lang="en-US" smtClean="0"/>
               <a:pPr/>
-              <a:t>11/15/2021</a:t>
+              <a:t>1/17/2022</a:t>
             </a:fld>
             <a:endParaRPr lang="en-US" dirty="0"/>
           </a:p>
@@ -2096,7 +2095,7 @@
             <a:fld id="{B61BEF0D-F0BB-DE4B-95CE-6DB70DBA9567}" type="datetimeFigureOut">
               <a:rPr lang="en-US" smtClean="0"/>
               <a:pPr/>
-              <a:t>11/15/2021</a:t>
+              <a:t>1/17/2022</a:t>
             </a:fld>
             <a:endParaRPr lang="en-US" dirty="0"/>
           </a:p>
@@ -2491,7 +2490,7 @@
             <a:fld id="{B61BEF0D-F0BB-DE4B-95CE-6DB70DBA9567}" type="datetimeFigureOut">
               <a:rPr lang="en-US" smtClean="0"/>
               <a:pPr/>
-              <a:t>11/15/2021</a:t>
+              <a:t>1/17/2022</a:t>
             </a:fld>
             <a:endParaRPr lang="en-US" dirty="0"/>
           </a:p>
@@ -2662,7 +2661,7 @@
           <a:p>
             <a:fld id="{55C6B4A9-1611-4792-9094-5F34BCA07E0B}" type="datetimeFigureOut">
               <a:rPr lang="en-US" smtClean="0"/>
-              <a:t>11/15/2021</a:t>
+              <a:t>1/17/2022</a:t>
             </a:fld>
             <a:endParaRPr lang="en-US" dirty="0"/>
           </a:p>
@@ -2843,7 +2842,7 @@
             <a:fld id="{B61BEF0D-F0BB-DE4B-95CE-6DB70DBA9567}" type="datetimeFigureOut">
               <a:rPr lang="en-US" smtClean="0"/>
               <a:pPr/>
-              <a:t>11/15/2021</a:t>
+              <a:t>1/17/2022</a:t>
             </a:fld>
             <a:endParaRPr lang="en-US" dirty="0"/>
           </a:p>
@@ -3015,7 +3014,7 @@
             <a:fld id="{B61BEF0D-F0BB-DE4B-95CE-6DB70DBA9567}" type="datetimeFigureOut">
               <a:rPr lang="en-US" smtClean="0"/>
               <a:pPr/>
-              <a:t>11/15/2021</a:t>
+              <a:t>1/17/2022</a:t>
             </a:fld>
             <a:endParaRPr lang="en-US" dirty="0"/>
           </a:p>
@@ -3264,7 +3263,7 @@
             <a:fld id="{B61BEF0D-F0BB-DE4B-95CE-6DB70DBA9567}" type="datetimeFigureOut">
               <a:rPr lang="en-US" smtClean="0"/>
               <a:pPr/>
-              <a:t>11/15/2021</a:t>
+              <a:t>1/17/2022</a:t>
             </a:fld>
             <a:endParaRPr lang="en-US" dirty="0"/>
           </a:p>
@@ -3497,7 +3496,7 @@
           <a:p>
             <a:fld id="{EB712588-04B1-427B-82EE-E8DB90309F08}" type="datetimeFigureOut">
               <a:rPr lang="en-US" smtClean="0"/>
-              <a:t>11/15/2021</a:t>
+              <a:t>1/17/2022</a:t>
             </a:fld>
             <a:endParaRPr lang="en-US" dirty="0"/>
           </a:p>
@@ -3872,7 +3871,7 @@
             <a:fld id="{B61BEF0D-F0BB-DE4B-95CE-6DB70DBA9567}" type="datetimeFigureOut">
               <a:rPr lang="en-US" smtClean="0"/>
               <a:pPr/>
-              <a:t>11/15/2021</a:t>
+              <a:t>1/17/2022</a:t>
             </a:fld>
             <a:endParaRPr lang="en-US" dirty="0"/>
           </a:p>
@@ -3997,7 +3996,7 @@
             <a:fld id="{B61BEF0D-F0BB-DE4B-95CE-6DB70DBA9567}" type="datetimeFigureOut">
               <a:rPr lang="en-US" smtClean="0"/>
               <a:pPr/>
-              <a:t>11/15/2021</a:t>
+              <a:t>1/17/2022</a:t>
             </a:fld>
             <a:endParaRPr lang="en-US" dirty="0"/>
           </a:p>
@@ -4094,7 +4093,7 @@
             <a:fld id="{B61BEF0D-F0BB-DE4B-95CE-6DB70DBA9567}" type="datetimeFigureOut">
               <a:rPr lang="en-US" smtClean="0"/>
               <a:pPr/>
-              <a:t>11/15/2021</a:t>
+              <a:t>1/17/2022</a:t>
             </a:fld>
             <a:endParaRPr lang="en-US" dirty="0"/>
           </a:p>
@@ -4350,7 +4349,7 @@
           <a:p>
             <a:fld id="{42A54C80-263E-416B-A8E0-580EDEADCBDC}" type="datetimeFigureOut">
               <a:rPr lang="en-US" smtClean="0"/>
-              <a:t>11/15/2021</a:t>
+              <a:t>1/17/2022</a:t>
             </a:fld>
             <a:endParaRPr lang="en-US" dirty="0"/>
           </a:p>
@@ -4657,7 +4656,7 @@
             <a:fld id="{B61BEF0D-F0BB-DE4B-95CE-6DB70DBA9567}" type="datetimeFigureOut">
               <a:rPr lang="en-US" smtClean="0"/>
               <a:pPr/>
-              <a:t>11/15/2021</a:t>
+              <a:t>1/17/2022</a:t>
             </a:fld>
             <a:endParaRPr lang="en-US" dirty="0"/>
           </a:p>
@@ -5360,7 +5359,7 @@
             <a:fld id="{B61BEF0D-F0BB-DE4B-95CE-6DB70DBA9567}" type="datetimeFigureOut">
               <a:rPr lang="en-US" smtClean="0"/>
               <a:pPr/>
-              <a:t>11/15/2021</a:t>
+              <a:t>1/17/2022</a:t>
             </a:fld>
             <a:endParaRPr lang="en-US" dirty="0"/>
           </a:p>
@@ -5484,6 +5483,35 @@
           </a:extLst>
         </p:spPr>
       </p:pic>
+      <p:sp>
+        <p:nvSpPr>
+          <p:cNvPr id="7" name="矩形 6"/>
+          <p:cNvSpPr/>
+          <p:nvPr userDrawn="1"/>
+        </p:nvSpPr>
+        <p:spPr>
+          <a:xfrm>
+            <a:off x="349248" y="6488668"/>
+            <a:ext cx="2789546" cy="369332"/>
+          </a:xfrm>
+          <a:prstGeom prst="rect">
+            <a:avLst/>
+          </a:prstGeom>
+        </p:spPr>
+        <p:txBody>
+          <a:bodyPr wrap="none">
+            <a:spAutoFit/>
+          </a:bodyPr>
+          <a:lstStyle/>
+          <a:p>
+            <a:r>
+              <a:rPr lang="en-US" altLang="zh-TW" dirty="0" smtClean="0"/>
+              <a:t>https://reurl.cc/MbkNaK</a:t>
+            </a:r>
+            <a:endParaRPr lang="zh-TW" altLang="en-US" dirty="0"/>
+          </a:p>
+        </p:txBody>
+      </p:sp>
     </p:spTree>
     <p:extLst>
       <p:ext uri="{BB962C8B-B14F-4D97-AF65-F5344CB8AC3E}">
@@ -5970,7 +5998,7 @@
           <a:p>
             <a:fld id="{F45BEF4E-E6DA-4F2D-99A2-66E946C36785}" type="datetime4">
               <a:rPr lang="zh-TW" altLang="zh-TW"/>
-              <a:t>110年11月15日星期一</a:t>
+              <a:t>111年1月17日星期一</a:t>
             </a:fld>
             <a:endParaRPr lang="zh-TW" altLang="en-US" dirty="0"/>
           </a:p>
@@ -6026,7 +6054,7 @@
         <p:spPr>
           <a:xfrm>
             <a:off x="528866" y="341708"/>
-            <a:ext cx="4487126" cy="369332"/>
+            <a:ext cx="4636206" cy="369332"/>
           </a:xfrm>
           <a:prstGeom prst="rect">
             <a:avLst/>
@@ -6041,15 +6069,15 @@
           <a:p>
             <a:r>
               <a:rPr lang="zh-TW" altLang="en-US" dirty="0" smtClean="0"/>
-              <a:t>投影片下載網址：</a:t>
-            </a:r>
-            <a:r>
-              <a:rPr lang="en-US" altLang="zh-TW" dirty="0"/>
-              <a:t>https://</a:t>
+              <a:t>投影片下載網址</a:t>
+            </a:r>
+            <a:r>
+              <a:rPr lang="zh-TW" altLang="en-US" dirty="0" smtClean="0"/>
+              <a:t>：</a:t>
             </a:r>
             <a:r>
               <a:rPr lang="en-US" altLang="zh-TW" dirty="0" smtClean="0"/>
-              <a:t>reurl.cc/l5ADbl</a:t>
+              <a:t>https://reurl.cc/MbkNaK</a:t>
             </a:r>
             <a:endParaRPr lang="zh-TW" altLang="en-US" dirty="0"/>
           </a:p>
@@ -6057,22 +6085,28 @@
       </p:sp>
       <p:pic>
         <p:nvPicPr>
-          <p:cNvPr id="9" name="圖片 8"/>
+          <p:cNvPr id="5" name="圖片 4"/>
           <p:cNvPicPr>
             <a:picLocks noChangeAspect="1"/>
           </p:cNvPicPr>
           <p:nvPr/>
         </p:nvPicPr>
         <p:blipFill>
-          <a:blip r:embed="rId3"/>
+          <a:blip r:embed="rId3">
+            <a:extLst>
+              <a:ext uri="{28A0092B-C50C-407E-A947-70E740481C1C}">
+                <a14:useLocalDpi xmlns:a14="http://schemas.microsoft.com/office/drawing/2010/main" val="0"/>
+              </a:ext>
+            </a:extLst>
+          </a:blip>
           <a:stretch>
             <a:fillRect/>
           </a:stretch>
         </p:blipFill>
         <p:spPr>
           <a:xfrm>
-            <a:off x="675908" y="775048"/>
-            <a:ext cx="1882925" cy="1882925"/>
+            <a:off x="792692" y="711040"/>
+            <a:ext cx="1428750" cy="1428750"/>
           </a:xfrm>
           <a:prstGeom prst="rect">
             <a:avLst/>
@@ -6927,7 +6961,7 @@
         </p:nvSpPr>
         <p:spPr>
           <a:xfrm>
-            <a:off x="677334" y="6358084"/>
+            <a:off x="4088046" y="6513532"/>
             <a:ext cx="5027338" cy="276999"/>
           </a:xfrm>
           <a:prstGeom prst="rect">
@@ -7582,7 +7616,7 @@
             </a:r>
             <a:r>
               <a:rPr lang="zh-TW" altLang="en-US" dirty="0">
-                <a:hlinkClick r:id="rId2" action="ppaction://hlinksldjump"/>
+                <a:hlinkClick r:id="" action="ppaction://noaction"/>
               </a:rPr>
               <a:t>過擬合</a:t>
             </a:r>
@@ -7855,86 +7889,6 @@
     <p:extLst>
       <p:ext uri="{BB962C8B-B14F-4D97-AF65-F5344CB8AC3E}">
         <p14:creationId xmlns:p14="http://schemas.microsoft.com/office/powerpoint/2010/main" val="1902166899"/>
-      </p:ext>
-    </p:extLst>
-  </p:cSld>
-  <p:clrMapOvr>
-    <a:masterClrMapping/>
-  </p:clrMapOvr>
-  <p:timing>
-    <p:tnLst>
-      <p:par>
-        <p:cTn id="1" dur="indefinite" restart="never" nodeType="tmRoot"/>
-      </p:par>
-    </p:tnLst>
-  </p:timing>
-</p:sld>
-</file>
-
-<file path=ppt/slides/slide8.xml><?xml version="1.0" encoding="utf-8"?>
-<p:sld xmlns:a="http://schemas.openxmlformats.org/drawingml/2006/main" xmlns:r="http://schemas.openxmlformats.org/officeDocument/2006/relationships" xmlns:p="http://schemas.openxmlformats.org/presentationml/2006/main">
-  <p:cSld>
-    <p:spTree>
-      <p:nvGrpSpPr>
-        <p:cNvPr id="1" name=""/>
-        <p:cNvGrpSpPr/>
-        <p:nvPr/>
-      </p:nvGrpSpPr>
-      <p:grpSpPr>
-        <a:xfrm>
-          <a:off x="0" y="0"/>
-          <a:ext cx="0" cy="0"/>
-          <a:chOff x="0" y="0"/>
-          <a:chExt cx="0" cy="0"/>
-        </a:xfrm>
-      </p:grpSpPr>
-      <p:pic>
-        <p:nvPicPr>
-          <p:cNvPr id="4" name="Picture 2" descr="CNN入門-Overfitting. 在正式踏入更深入的CNN模型之前，我們勢必要了解Overfitting這個名詞，… | by Cinnamon  AI Taiwan | Medium">
-            <a:hlinkClick r:id="rId2" action="ppaction://hlinksldjump"/>
-          </p:cNvPr>
-          <p:cNvPicPr>
-            <a:picLocks noChangeAspect="1" noChangeArrowheads="1"/>
-          </p:cNvPicPr>
-          <p:nvPr/>
-        </p:nvPicPr>
-        <p:blipFill>
-          <a:blip r:embed="rId3">
-            <a:extLst>
-              <a:ext uri="{28A0092B-C50C-407E-A947-70E740481C1C}">
-                <a14:useLocalDpi xmlns:a14="http://schemas.microsoft.com/office/drawing/2010/main" val="0"/>
-              </a:ext>
-            </a:extLst>
-          </a:blip>
-          <a:srcRect/>
-          <a:stretch>
-            <a:fillRect/>
-          </a:stretch>
-        </p:blipFill>
-        <p:spPr bwMode="auto">
-          <a:xfrm>
-            <a:off x="541977" y="1536192"/>
-            <a:ext cx="10013787" cy="4105655"/>
-          </a:xfrm>
-          <a:prstGeom prst="rect">
-            <a:avLst/>
-          </a:prstGeom>
-          <a:noFill/>
-          <a:extLst>
-            <a:ext uri="{909E8E84-426E-40DD-AFC4-6F175D3DCCD1}">
-              <a14:hiddenFill xmlns:a14="http://schemas.microsoft.com/office/drawing/2010/main">
-                <a:solidFill>
-                  <a:srgbClr val="FFFFFF"/>
-                </a:solidFill>
-              </a14:hiddenFill>
-            </a:ext>
-          </a:extLst>
-        </p:spPr>
-      </p:pic>
-    </p:spTree>
-    <p:extLst>
-      <p:ext uri="{BB962C8B-B14F-4D97-AF65-F5344CB8AC3E}">
-        <p14:creationId xmlns:p14="http://schemas.microsoft.com/office/powerpoint/2010/main" val="2940100340"/>
       </p:ext>
     </p:extLst>
   </p:cSld>
